--- a/教学课件/7.第七课  值类型和引用类型.pptx
+++ b/教学课件/7.第七课  值类型和引用类型.pptx
@@ -13,11 +13,9 @@
     <p:sldId id="264" r:id="rId8"/>
     <p:sldId id="265" r:id="rId9"/>
     <p:sldId id="266" r:id="rId10"/>
-    <p:sldId id="267" r:id="rId11"/>
-    <p:sldId id="268" r:id="rId12"/>
-    <p:sldId id="269" r:id="rId13"/>
-    <p:sldId id="270" r:id="rId14"/>
-    <p:sldId id="271" r:id="rId15"/>
+    <p:sldId id="269" r:id="rId11"/>
+    <p:sldId id="270" r:id="rId12"/>
+    <p:sldId id="271" r:id="rId13"/>
   </p:sldIdLst>
   <p:sldSz cx="12192000" cy="6858000"/>
   <p:notesSz cx="6858000" cy="9144000"/>
@@ -6060,7 +6058,7 @@
           <a:p>
             <a:r>
               <a:rPr lang="zh-CN" altLang="en-US" dirty="0"/>
-              <a:t>改变一个引用类型的数据</a:t>
+              <a:t>两个引用类型地址相同</a:t>
             </a:r>
             <a:endParaRPr lang="zh-CN" altLang="en-US" dirty="0"/>
           </a:p>
@@ -6081,150 +6079,32 @@
           <a:bodyPr/>
           <a:lstStyle/>
           <a:p>
-            <a:pPr marL="0" indent="0">
-              <a:buNone/>
-            </a:pPr>
-            <a:r>
-              <a:rPr lang="en-US" altLang="zh-CN" dirty="0"/>
-              <a:t>Class </a:t>
-            </a:r>
-            <a:r>
-              <a:rPr lang="en-US" altLang="zh-CN" dirty="0" err="1"/>
-              <a:t>MyClass</a:t>
-            </a:r>
-            <a:r>
-              <a:rPr lang="en-US" altLang="zh-CN" dirty="0"/>
-              <a:t>					</a:t>
+            <a:r>
+              <a:rPr lang="zh-CN" altLang="en-US" dirty="0"/>
+              <a:t>均指向同一片堆内存，若其中之一修改了类型中的某一项数值，另外一个也会修改</a:t>
             </a:r>
             <a:endParaRPr lang="en-US" altLang="zh-CN" dirty="0"/>
           </a:p>
           <a:p>
-            <a:pPr marL="0" indent="0">
-              <a:buNone/>
-            </a:pPr>
-            <a:r>
-              <a:rPr lang="en-US" altLang="zh-CN" dirty="0"/>
-              <a:t>{</a:t>
+            <a:r>
+              <a:rPr lang="zh-CN" altLang="en-US" dirty="0"/>
+              <a:t>若其中之一被重新赋值，则</a:t>
+            </a:r>
+            <a:r>
+              <a:rPr lang="zh-CN" altLang="en-US" dirty="0"/>
+              <a:t>另外一项不做修改</a:t>
             </a:r>
             <a:endParaRPr lang="en-US" altLang="zh-CN" dirty="0"/>
           </a:p>
           <a:p>
             <a:r>
-              <a:rPr lang="en-US" altLang="zh-CN" dirty="0"/>
-              <a:t>Int a;</a:t>
-            </a:r>
-            <a:endParaRPr lang="en-US" altLang="zh-CN" dirty="0"/>
-          </a:p>
-          <a:p>
-            <a:pPr marL="0" indent="0">
-              <a:buNone/>
-            </a:pPr>
-            <a:r>
-              <a:rPr lang="en-US" altLang="zh-CN" dirty="0"/>
-              <a:t>}</a:t>
-            </a:r>
-            <a:endParaRPr lang="en-US" altLang="zh-CN" dirty="0"/>
-          </a:p>
-          <a:p>
-            <a:pPr marL="0" indent="0">
-              <a:buNone/>
-            </a:pPr>
-            <a:endParaRPr lang="en-US" altLang="zh-CN" dirty="0"/>
-          </a:p>
-          <a:p>
-            <a:pPr marL="0" indent="0">
-              <a:buNone/>
-            </a:pPr>
-            <a:r>
-              <a:rPr lang="en-US" altLang="zh-CN" dirty="0" err="1"/>
-              <a:t>MyClass</a:t>
-            </a:r>
-            <a:r>
-              <a:rPr lang="en-US" altLang="zh-CN" dirty="0"/>
-              <a:t> mc = new </a:t>
-            </a:r>
-            <a:r>
-              <a:rPr lang="en-US" altLang="zh-CN" dirty="0" err="1"/>
-              <a:t>MyClass</a:t>
-            </a:r>
-            <a:r>
-              <a:rPr lang="en-US" altLang="zh-CN" dirty="0"/>
-              <a:t>()</a:t>
-            </a:r>
-            <a:endParaRPr lang="en-US" altLang="zh-CN" dirty="0"/>
-          </a:p>
-          <a:p>
-            <a:pPr marL="0" indent="0">
-              <a:buNone/>
-            </a:pPr>
-            <a:r>
-              <a:rPr lang="en-US" altLang="zh-CN" dirty="0" err="1"/>
-              <a:t>mc.a</a:t>
-            </a:r>
-            <a:r>
-              <a:rPr lang="en-US" altLang="zh-CN" dirty="0"/>
-              <a:t> = 1</a:t>
-            </a:r>
-            <a:endParaRPr lang="en-US" altLang="zh-CN" dirty="0"/>
-          </a:p>
-          <a:p>
-            <a:pPr marL="0" indent="0">
-              <a:buNone/>
-            </a:pPr>
-            <a:r>
-              <a:rPr lang="en-US" altLang="zh-CN" dirty="0"/>
-              <a:t>mc = new </a:t>
-            </a:r>
-            <a:r>
-              <a:rPr lang="en-US" altLang="zh-CN" dirty="0" err="1"/>
-              <a:t>MyClass</a:t>
-            </a:r>
-            <a:r>
-              <a:rPr lang="en-US" altLang="zh-CN" dirty="0"/>
-              <a:t>()</a:t>
-            </a:r>
-            <a:endParaRPr lang="en-US" altLang="zh-CN" dirty="0"/>
-          </a:p>
-          <a:p>
-            <a:pPr marL="0" indent="0">
-              <a:buNone/>
-            </a:pPr>
-            <a:r>
-              <a:rPr lang="en-US" altLang="zh-CN" dirty="0" err="1"/>
-              <a:t>mc.a</a:t>
-            </a:r>
-            <a:r>
-              <a:rPr lang="en-US" altLang="zh-CN" dirty="0"/>
-              <a:t> = 1</a:t>
+              <a:rPr lang="zh-CN" altLang="en-US" dirty="0"/>
+              <a:t>若均修改了地址，原内存被回收</a:t>
             </a:r>
             <a:endParaRPr lang="zh-CN" altLang="en-US" dirty="0"/>
           </a:p>
         </p:txBody>
       </p:sp>
-      <p:pic>
-        <p:nvPicPr>
-          <p:cNvPr id="5" name="图片 4"/>
-          <p:cNvPicPr>
-            <a:picLocks noChangeAspect="1"/>
-          </p:cNvPicPr>
-          <p:nvPr/>
-        </p:nvPicPr>
-        <p:blipFill>
-          <a:blip r:embed="rId1"/>
-          <a:stretch>
-            <a:fillRect/>
-          </a:stretch>
-        </p:blipFill>
-        <p:spPr>
-          <a:xfrm>
-            <a:off x="4844715" y="2287503"/>
-            <a:ext cx="6361461" cy="3578321"/>
-          </a:xfrm>
-          <a:prstGeom prst="rect">
-            <a:avLst/>
-          </a:prstGeom>
-        </p:spPr>
-      </p:pic>
     </p:spTree>
   </p:cSld>
   <p:clrMapOvr>
@@ -6234,166 +6114,6 @@
 </file>
 
 <file path=ppt/slides/slide11.xml><?xml version="1.0" encoding="utf-8"?>
-<p:sld xmlns:a="http://schemas.openxmlformats.org/drawingml/2006/main" xmlns:r="http://schemas.openxmlformats.org/officeDocument/2006/relationships" xmlns:p="http://schemas.openxmlformats.org/presentationml/2006/main">
-  <p:cSld>
-    <p:spTree>
-      <p:nvGrpSpPr>
-        <p:cNvPr id="1" name=""/>
-        <p:cNvGrpSpPr/>
-        <p:nvPr/>
-      </p:nvGrpSpPr>
-      <p:grpSpPr>
-        <a:xfrm>
-          <a:off x="0" y="0"/>
-          <a:ext cx="0" cy="0"/>
-          <a:chOff x="0" y="0"/>
-          <a:chExt cx="0" cy="0"/>
-        </a:xfrm>
-      </p:grpSpPr>
-      <p:sp>
-        <p:nvSpPr>
-          <p:cNvPr id="2" name="标题 1"/>
-          <p:cNvSpPr>
-            <a:spLocks noGrp="1"/>
-          </p:cNvSpPr>
-          <p:nvPr>
-            <p:ph type="title"/>
-          </p:nvPr>
-        </p:nvSpPr>
-        <p:spPr/>
-        <p:txBody>
-          <a:bodyPr/>
-          <a:lstStyle/>
-          <a:p>
-            <a:r>
-              <a:rPr lang="zh-CN" altLang="en-US" dirty="0"/>
-              <a:t>两个值类型数据值相同</a:t>
-            </a:r>
-            <a:endParaRPr lang="zh-CN" altLang="en-US" dirty="0"/>
-          </a:p>
-        </p:txBody>
-      </p:sp>
-      <p:sp>
-        <p:nvSpPr>
-          <p:cNvPr id="3" name="内容占位符 2"/>
-          <p:cNvSpPr>
-            <a:spLocks noGrp="1"/>
-          </p:cNvSpPr>
-          <p:nvPr>
-            <p:ph idx="1"/>
-          </p:nvPr>
-        </p:nvSpPr>
-        <p:spPr/>
-        <p:txBody>
-          <a:bodyPr/>
-          <a:lstStyle/>
-          <a:p>
-            <a:r>
-              <a:rPr lang="zh-CN" altLang="en-US" dirty="0"/>
-              <a:t>内存地址不同，但均在栈内存区中</a:t>
-            </a:r>
-            <a:endParaRPr lang="zh-CN" altLang="en-US" dirty="0"/>
-          </a:p>
-        </p:txBody>
-      </p:sp>
-    </p:spTree>
-  </p:cSld>
-  <p:clrMapOvr>
-    <a:masterClrMapping/>
-  </p:clrMapOvr>
-</p:sld>
-</file>
-
-<file path=ppt/slides/slide12.xml><?xml version="1.0" encoding="utf-8"?>
-<p:sld xmlns:a="http://schemas.openxmlformats.org/drawingml/2006/main" xmlns:r="http://schemas.openxmlformats.org/officeDocument/2006/relationships" xmlns:p="http://schemas.openxmlformats.org/presentationml/2006/main">
-  <p:cSld>
-    <p:spTree>
-      <p:nvGrpSpPr>
-        <p:cNvPr id="1" name=""/>
-        <p:cNvGrpSpPr/>
-        <p:nvPr/>
-      </p:nvGrpSpPr>
-      <p:grpSpPr>
-        <a:xfrm>
-          <a:off x="0" y="0"/>
-          <a:ext cx="0" cy="0"/>
-          <a:chOff x="0" y="0"/>
-          <a:chExt cx="0" cy="0"/>
-        </a:xfrm>
-      </p:grpSpPr>
-      <p:sp>
-        <p:nvSpPr>
-          <p:cNvPr id="2" name="标题 1"/>
-          <p:cNvSpPr>
-            <a:spLocks noGrp="1"/>
-          </p:cNvSpPr>
-          <p:nvPr>
-            <p:ph type="title"/>
-          </p:nvPr>
-        </p:nvSpPr>
-        <p:spPr/>
-        <p:txBody>
-          <a:bodyPr/>
-          <a:lstStyle/>
-          <a:p>
-            <a:r>
-              <a:rPr lang="zh-CN" altLang="en-US" dirty="0"/>
-              <a:t>两个引用类型地址相同</a:t>
-            </a:r>
-            <a:endParaRPr lang="zh-CN" altLang="en-US" dirty="0"/>
-          </a:p>
-        </p:txBody>
-      </p:sp>
-      <p:sp>
-        <p:nvSpPr>
-          <p:cNvPr id="3" name="内容占位符 2"/>
-          <p:cNvSpPr>
-            <a:spLocks noGrp="1"/>
-          </p:cNvSpPr>
-          <p:nvPr>
-            <p:ph idx="1"/>
-          </p:nvPr>
-        </p:nvSpPr>
-        <p:spPr/>
-        <p:txBody>
-          <a:bodyPr/>
-          <a:lstStyle/>
-          <a:p>
-            <a:r>
-              <a:rPr lang="zh-CN" altLang="en-US" dirty="0"/>
-              <a:t>均指向同一片堆内存，若其中之一修改了类型中的某一项数值，另外一个也会修改</a:t>
-            </a:r>
-            <a:endParaRPr lang="en-US" altLang="zh-CN" dirty="0"/>
-          </a:p>
-          <a:p>
-            <a:r>
-              <a:rPr lang="zh-CN" altLang="en-US" dirty="0"/>
-              <a:t>若其中之一被重新赋值，则</a:t>
-            </a:r>
-            <a:r>
-              <a:rPr lang="zh-CN" altLang="en-US" dirty="0"/>
-              <a:t>另外一项不做修改</a:t>
-            </a:r>
-            <a:endParaRPr lang="en-US" altLang="zh-CN" dirty="0"/>
-          </a:p>
-          <a:p>
-            <a:r>
-              <a:rPr lang="zh-CN" altLang="en-US" dirty="0"/>
-              <a:t>若均修改了地址，原内存被回收</a:t>
-            </a:r>
-            <a:endParaRPr lang="zh-CN" altLang="en-US" dirty="0"/>
-          </a:p>
-        </p:txBody>
-      </p:sp>
-    </p:spTree>
-  </p:cSld>
-  <p:clrMapOvr>
-    <a:masterClrMapping/>
-  </p:clrMapOvr>
-</p:sld>
-</file>
-
-<file path=ppt/slides/slide13.xml><?xml version="1.0" encoding="utf-8"?>
 <p:sld xmlns:a="http://schemas.openxmlformats.org/drawingml/2006/main" xmlns:r="http://schemas.openxmlformats.org/officeDocument/2006/relationships" xmlns:p="http://schemas.openxmlformats.org/presentationml/2006/main">
   <p:cSld>
     <p:spTree>
@@ -7813,7 +7533,7 @@
           <a:p>
             <a:r>
               <a:rPr lang="zh-CN" altLang="en-US" dirty="0"/>
-              <a:t>改变一个值类型数据</a:t>
+              <a:t>两个值类型数据值相同</a:t>
             </a:r>
             <a:endParaRPr lang="zh-CN" altLang="en-US" dirty="0"/>
           </a:p>
@@ -7834,57 +7554,14 @@
           <a:bodyPr/>
           <a:lstStyle/>
           <a:p>
-            <a:pPr marL="0" indent="0">
-              <a:buNone/>
-            </a:pPr>
-            <a:r>
-              <a:rPr lang="en-US" altLang="zh-CN" dirty="0"/>
-              <a:t>Int a = 1;</a:t>
-            </a:r>
-            <a:endParaRPr lang="en-US" altLang="zh-CN" dirty="0"/>
-          </a:p>
-          <a:p>
-            <a:pPr marL="0" indent="0">
-              <a:buNone/>
-            </a:pPr>
-            <a:r>
-              <a:rPr lang="en-US" altLang="zh-CN" dirty="0"/>
-              <a:t>Int a = 2;</a:t>
-            </a:r>
-            <a:endParaRPr lang="en-US" altLang="zh-CN" dirty="0"/>
-          </a:p>
-          <a:p>
-            <a:pPr marL="0" indent="0">
-              <a:buNone/>
-            </a:pPr>
+            <a:r>
+              <a:rPr lang="zh-CN" altLang="en-US" dirty="0"/>
+              <a:t>内存地址不同，但均在栈内存区中</a:t>
+            </a:r>
             <a:endParaRPr lang="zh-CN" altLang="en-US" dirty="0"/>
           </a:p>
         </p:txBody>
       </p:sp>
-      <p:pic>
-        <p:nvPicPr>
-          <p:cNvPr id="5" name="图片 4"/>
-          <p:cNvPicPr>
-            <a:picLocks noChangeAspect="1"/>
-          </p:cNvPicPr>
-          <p:nvPr/>
-        </p:nvPicPr>
-        <p:blipFill>
-          <a:blip r:embed="rId1"/>
-          <a:stretch>
-            <a:fillRect/>
-          </a:stretch>
-        </p:blipFill>
-        <p:spPr>
-          <a:xfrm>
-            <a:off x="3083560" y="1121410"/>
-            <a:ext cx="7115175" cy="5520690"/>
-          </a:xfrm>
-          <a:prstGeom prst="rect">
-            <a:avLst/>
-          </a:prstGeom>
-        </p:spPr>
-      </p:pic>
     </p:spTree>
   </p:cSld>
   <p:clrMapOvr>
